--- a/week8/第八周语义网络.pptx
+++ b/week8/第八周语义网络.pptx
@@ -6,8 +6,10 @@
   </p:sldMasterIdLst>
   <p:sldIdLst>
     <p:sldId id="256" r:id="rId2"/>
-    <p:sldId id="257" r:id="rId3"/>
-    <p:sldId id="258" r:id="rId4"/>
+    <p:sldId id="260" r:id="rId3"/>
+    <p:sldId id="257" r:id="rId4"/>
+    <p:sldId id="259" r:id="rId5"/>
+    <p:sldId id="258" r:id="rId6"/>
   </p:sldIdLst>
   <p:sldSz cx="12192000" cy="6858000"/>
   <p:notesSz cx="6858000" cy="9144000"/>
@@ -106,6 +108,11 @@
       </a:defRPr>
     </a:lvl9pPr>
   </p:defaultTextStyle>
+  <p:extLst>
+    <p:ext uri="{EFAFB233-063F-42B5-8137-9DF3F51BA10A}">
+      <p15:sldGuideLst xmlns:p15="http://schemas.microsoft.com/office/powerpoint/2012/main"/>
+    </p:ext>
+  </p:extLst>
 </p:presentation>
 </file>
 
@@ -240,7 +247,7 @@
           <a:p>
             <a:fld id="{572D11D0-88B8-4AFB-969C-9968A552E825}" type="datetimeFigureOut">
               <a:rPr lang="zh-CN" altLang="en-US" smtClean="0"/>
-              <a:t>2019/10/23</a:t>
+              <a:t>2019/10/27</a:t>
             </a:fld>
             <a:endParaRPr lang="zh-CN" altLang="en-US"/>
           </a:p>
@@ -410,7 +417,7 @@
           <a:p>
             <a:fld id="{572D11D0-88B8-4AFB-969C-9968A552E825}" type="datetimeFigureOut">
               <a:rPr lang="zh-CN" altLang="en-US" smtClean="0"/>
-              <a:t>2019/10/23</a:t>
+              <a:t>2019/10/27</a:t>
             </a:fld>
             <a:endParaRPr lang="zh-CN" altLang="en-US"/>
           </a:p>
@@ -590,7 +597,7 @@
           <a:p>
             <a:fld id="{572D11D0-88B8-4AFB-969C-9968A552E825}" type="datetimeFigureOut">
               <a:rPr lang="zh-CN" altLang="en-US" smtClean="0"/>
-              <a:t>2019/10/23</a:t>
+              <a:t>2019/10/27</a:t>
             </a:fld>
             <a:endParaRPr lang="zh-CN" altLang="en-US"/>
           </a:p>
@@ -760,7 +767,7 @@
           <a:p>
             <a:fld id="{572D11D0-88B8-4AFB-969C-9968A552E825}" type="datetimeFigureOut">
               <a:rPr lang="zh-CN" altLang="en-US" smtClean="0"/>
-              <a:t>2019/10/23</a:t>
+              <a:t>2019/10/27</a:t>
             </a:fld>
             <a:endParaRPr lang="zh-CN" altLang="en-US"/>
           </a:p>
@@ -1004,7 +1011,7 @@
           <a:p>
             <a:fld id="{572D11D0-88B8-4AFB-969C-9968A552E825}" type="datetimeFigureOut">
               <a:rPr lang="zh-CN" altLang="en-US" smtClean="0"/>
-              <a:t>2019/10/23</a:t>
+              <a:t>2019/10/27</a:t>
             </a:fld>
             <a:endParaRPr lang="zh-CN" altLang="en-US"/>
           </a:p>
@@ -1236,7 +1243,7 @@
           <a:p>
             <a:fld id="{572D11D0-88B8-4AFB-969C-9968A552E825}" type="datetimeFigureOut">
               <a:rPr lang="zh-CN" altLang="en-US" smtClean="0"/>
-              <a:t>2019/10/23</a:t>
+              <a:t>2019/10/27</a:t>
             </a:fld>
             <a:endParaRPr lang="zh-CN" altLang="en-US"/>
           </a:p>
@@ -1603,7 +1610,7 @@
           <a:p>
             <a:fld id="{572D11D0-88B8-4AFB-969C-9968A552E825}" type="datetimeFigureOut">
               <a:rPr lang="zh-CN" altLang="en-US" smtClean="0"/>
-              <a:t>2019/10/23</a:t>
+              <a:t>2019/10/27</a:t>
             </a:fld>
             <a:endParaRPr lang="zh-CN" altLang="en-US"/>
           </a:p>
@@ -1721,7 +1728,7 @@
           <a:p>
             <a:fld id="{572D11D0-88B8-4AFB-969C-9968A552E825}" type="datetimeFigureOut">
               <a:rPr lang="zh-CN" altLang="en-US" smtClean="0"/>
-              <a:t>2019/10/23</a:t>
+              <a:t>2019/10/27</a:t>
             </a:fld>
             <a:endParaRPr lang="zh-CN" altLang="en-US"/>
           </a:p>
@@ -1816,7 +1823,7 @@
           <a:p>
             <a:fld id="{572D11D0-88B8-4AFB-969C-9968A552E825}" type="datetimeFigureOut">
               <a:rPr lang="zh-CN" altLang="en-US" smtClean="0"/>
-              <a:t>2019/10/23</a:t>
+              <a:t>2019/10/27</a:t>
             </a:fld>
             <a:endParaRPr lang="zh-CN" altLang="en-US"/>
           </a:p>
@@ -2093,7 +2100,7 @@
           <a:p>
             <a:fld id="{572D11D0-88B8-4AFB-969C-9968A552E825}" type="datetimeFigureOut">
               <a:rPr lang="zh-CN" altLang="en-US" smtClean="0"/>
-              <a:t>2019/10/23</a:t>
+              <a:t>2019/10/27</a:t>
             </a:fld>
             <a:endParaRPr lang="zh-CN" altLang="en-US"/>
           </a:p>
@@ -2350,7 +2357,7 @@
           <a:p>
             <a:fld id="{572D11D0-88B8-4AFB-969C-9968A552E825}" type="datetimeFigureOut">
               <a:rPr lang="zh-CN" altLang="en-US" smtClean="0"/>
-              <a:t>2019/10/23</a:t>
+              <a:t>2019/10/27</a:t>
             </a:fld>
             <a:endParaRPr lang="zh-CN" altLang="en-US"/>
           </a:p>
@@ -2563,7 +2570,7 @@
           <a:p>
             <a:fld id="{572D11D0-88B8-4AFB-969C-9968A552E825}" type="datetimeFigureOut">
               <a:rPr lang="zh-CN" altLang="en-US" smtClean="0"/>
-              <a:t>2019/10/23</a:t>
+              <a:t>2019/10/27</a:t>
             </a:fld>
             <a:endParaRPr lang="zh-CN" altLang="en-US"/>
           </a:p>
@@ -3018,8 +3025,8 @@
         </p:nvSpPr>
         <p:spPr>
           <a:xfrm>
-            <a:off x="2361235" y="3380811"/>
-            <a:ext cx="8403221" cy="646331"/>
+            <a:off x="2748862" y="3380811"/>
+            <a:ext cx="7687226" cy="646331"/>
           </a:xfrm>
           <a:prstGeom prst="rect">
             <a:avLst/>
@@ -3044,7 +3051,7 @@
                 <a:latin typeface="微软雅黑" panose="020B0503020204020204" pitchFamily="34" charset="-122"/>
                 <a:ea typeface="微软雅黑" panose="020B0503020204020204" pitchFamily="34" charset="-122"/>
               </a:rPr>
-              <a:t>高级程序设计</a:t>
+              <a:t>程序设计</a:t>
             </a:r>
             <a:r>
               <a:rPr lang="en-US" altLang="zh-CN" sz="3600" b="1" dirty="0">
@@ -3152,12 +3159,18 @@
           <a:p>
             <a:r>
               <a:rPr lang="en-US" altLang="zh-CN" sz="2400" b="1" dirty="0" err="1">
+                <a:highlight>
+                  <a:srgbClr val="FFFF00"/>
+                </a:highlight>
                 <a:latin typeface="微软雅黑" panose="020B0503020204020204" pitchFamily="34" charset="-122"/>
                 <a:ea typeface="微软雅黑" panose="020B0503020204020204" pitchFamily="34" charset="-122"/>
               </a:rPr>
               <a:t>pengbeifudao</a:t>
             </a:r>
             <a:endParaRPr lang="en-US" altLang="zh-CN" sz="2400" b="1" dirty="0">
+              <a:highlight>
+                <a:srgbClr val="FFFF00"/>
+              </a:highlight>
               <a:latin typeface="微软雅黑" panose="020B0503020204020204" pitchFamily="34" charset="-122"/>
               <a:ea typeface="微软雅黑" panose="020B0503020204020204" pitchFamily="34" charset="-122"/>
             </a:endParaRPr>
@@ -3208,6 +3221,106 @@
           <p:cNvPr id="2" name="标题 1">
             <a:extLst>
               <a:ext uri="{FF2B5EF4-FFF2-40B4-BE49-F238E27FC236}">
+                <a16:creationId xmlns:a16="http://schemas.microsoft.com/office/drawing/2014/main" id="{D5F72FE8-8649-47DC-B078-D55DCC6A8396}"/>
+              </a:ext>
+            </a:extLst>
+          </p:cNvPr>
+          <p:cNvSpPr>
+            <a:spLocks noGrp="1"/>
+          </p:cNvSpPr>
+          <p:nvPr>
+            <p:ph type="title"/>
+          </p:nvPr>
+        </p:nvSpPr>
+        <p:spPr/>
+        <p:txBody>
+          <a:bodyPr/>
+          <a:lstStyle/>
+          <a:p>
+            <a:endParaRPr lang="zh-CN" altLang="en-US"/>
+          </a:p>
+        </p:txBody>
+      </p:sp>
+      <p:sp>
+        <p:nvSpPr>
+          <p:cNvPr id="3" name="内容占位符 2">
+            <a:extLst>
+              <a:ext uri="{FF2B5EF4-FFF2-40B4-BE49-F238E27FC236}">
+                <a16:creationId xmlns:a16="http://schemas.microsoft.com/office/drawing/2014/main" id="{44A1DDA0-4508-423E-AB2A-F373A289EE57}"/>
+              </a:ext>
+            </a:extLst>
+          </p:cNvPr>
+          <p:cNvSpPr>
+            <a:spLocks noGrp="1"/>
+          </p:cNvSpPr>
+          <p:nvPr>
+            <p:ph idx="1"/>
+          </p:nvPr>
+        </p:nvSpPr>
+        <p:spPr/>
+        <p:txBody>
+          <a:bodyPr/>
+          <a:lstStyle/>
+          <a:p>
+            <a:r>
+              <a:rPr lang="zh-CN" altLang="en-US" dirty="0"/>
+              <a:t>词是节点，边代表词语之间的关系。</a:t>
+            </a:r>
+            <a:endParaRPr lang="en-US" altLang="zh-CN" dirty="0"/>
+          </a:p>
+          <a:p>
+            <a:endParaRPr lang="en-US" altLang="zh-CN" dirty="0"/>
+          </a:p>
+          <a:p>
+            <a:r>
+              <a:rPr lang="zh-CN" altLang="en-US" dirty="0"/>
+              <a:t>发现词语之间的关系，哪些词经常出现</a:t>
+            </a:r>
+            <a:endParaRPr lang="en-US" altLang="zh-CN" dirty="0"/>
+          </a:p>
+          <a:p>
+            <a:r>
+              <a:rPr lang="zh-CN" altLang="en-US" dirty="0"/>
+              <a:t>发现网络模式</a:t>
+            </a:r>
+          </a:p>
+        </p:txBody>
+      </p:sp>
+    </p:spTree>
+    <p:extLst>
+      <p:ext uri="{BB962C8B-B14F-4D97-AF65-F5344CB8AC3E}">
+        <p14:creationId xmlns:p14="http://schemas.microsoft.com/office/powerpoint/2010/main" val="1220339165"/>
+      </p:ext>
+    </p:extLst>
+  </p:cSld>
+  <p:clrMapOvr>
+    <a:masterClrMapping/>
+  </p:clrMapOvr>
+</p:sld>
+</file>
+
+<file path=ppt/slides/slide3.xml><?xml version="1.0" encoding="utf-8"?>
+<p:sld xmlns:a="http://schemas.openxmlformats.org/drawingml/2006/main" xmlns:r="http://schemas.openxmlformats.org/officeDocument/2006/relationships" xmlns:p="http://schemas.openxmlformats.org/presentationml/2006/main">
+  <p:cSld>
+    <p:spTree>
+      <p:nvGrpSpPr>
+        <p:cNvPr id="1" name=""/>
+        <p:cNvGrpSpPr/>
+        <p:nvPr/>
+      </p:nvGrpSpPr>
+      <p:grpSpPr>
+        <a:xfrm>
+          <a:off x="0" y="0"/>
+          <a:ext cx="0" cy="0"/>
+          <a:chOff x="0" y="0"/>
+          <a:chExt cx="0" cy="0"/>
+        </a:xfrm>
+      </p:grpSpPr>
+      <p:sp>
+        <p:nvSpPr>
+          <p:cNvPr id="2" name="标题 1">
+            <a:extLst>
+              <a:ext uri="{FF2B5EF4-FFF2-40B4-BE49-F238E27FC236}">
                 <a16:creationId xmlns:a16="http://schemas.microsoft.com/office/drawing/2014/main" id="{5461E081-AF44-4C6C-B35D-2C766FD4DBE0}"/>
               </a:ext>
             </a:extLst>
@@ -3331,7 +3444,94 @@
 </p:sld>
 </file>
 
-<file path=ppt/slides/slide3.xml><?xml version="1.0" encoding="utf-8"?>
+<file path=ppt/slides/slide4.xml><?xml version="1.0" encoding="utf-8"?>
+<p:sld xmlns:a="http://schemas.openxmlformats.org/drawingml/2006/main" xmlns:r="http://schemas.openxmlformats.org/officeDocument/2006/relationships" xmlns:p="http://schemas.openxmlformats.org/presentationml/2006/main">
+  <p:cSld>
+    <p:spTree>
+      <p:nvGrpSpPr>
+        <p:cNvPr id="1" name=""/>
+        <p:cNvGrpSpPr/>
+        <p:nvPr/>
+      </p:nvGrpSpPr>
+      <p:grpSpPr>
+        <a:xfrm>
+          <a:off x="0" y="0"/>
+          <a:ext cx="0" cy="0"/>
+          <a:chOff x="0" y="0"/>
+          <a:chExt cx="0" cy="0"/>
+        </a:xfrm>
+      </p:grpSpPr>
+      <p:sp>
+        <p:nvSpPr>
+          <p:cNvPr id="2" name="标题 1">
+            <a:extLst>
+              <a:ext uri="{FF2B5EF4-FFF2-40B4-BE49-F238E27FC236}">
+                <a16:creationId xmlns:a16="http://schemas.microsoft.com/office/drawing/2014/main" id="{7307A910-1200-48B8-90C3-3A16EF6EBE5A}"/>
+              </a:ext>
+            </a:extLst>
+          </p:cNvPr>
+          <p:cNvSpPr>
+            <a:spLocks noGrp="1"/>
+          </p:cNvSpPr>
+          <p:nvPr>
+            <p:ph type="title"/>
+          </p:nvPr>
+        </p:nvSpPr>
+        <p:spPr/>
+        <p:txBody>
+          <a:bodyPr/>
+          <a:lstStyle/>
+          <a:p>
+            <a:endParaRPr lang="zh-CN" altLang="en-US"/>
+          </a:p>
+        </p:txBody>
+      </p:sp>
+      <p:pic>
+        <p:nvPicPr>
+          <p:cNvPr id="4" name="内容占位符 3">
+            <a:extLst>
+              <a:ext uri="{FF2B5EF4-FFF2-40B4-BE49-F238E27FC236}">
+                <a16:creationId xmlns:a16="http://schemas.microsoft.com/office/drawing/2014/main" id="{27A3E816-7C94-404E-9EDD-01269183BE1B}"/>
+              </a:ext>
+            </a:extLst>
+          </p:cNvPr>
+          <p:cNvPicPr>
+            <a:picLocks noGrp="1" noChangeAspect="1"/>
+          </p:cNvPicPr>
+          <p:nvPr>
+            <p:ph idx="1"/>
+          </p:nvPr>
+        </p:nvPicPr>
+        <p:blipFill>
+          <a:blip r:embed="rId2"/>
+          <a:stretch>
+            <a:fillRect/>
+          </a:stretch>
+        </p:blipFill>
+        <p:spPr>
+          <a:xfrm>
+            <a:off x="1699592" y="0"/>
+            <a:ext cx="9134061" cy="6856437"/>
+          </a:xfrm>
+          <a:prstGeom prst="rect">
+            <a:avLst/>
+          </a:prstGeom>
+        </p:spPr>
+      </p:pic>
+    </p:spTree>
+    <p:extLst>
+      <p:ext uri="{BB962C8B-B14F-4D97-AF65-F5344CB8AC3E}">
+        <p14:creationId xmlns:p14="http://schemas.microsoft.com/office/powerpoint/2010/main" val="2119661471"/>
+      </p:ext>
+    </p:extLst>
+  </p:cSld>
+  <p:clrMapOvr>
+    <a:masterClrMapping/>
+  </p:clrMapOvr>
+</p:sld>
+</file>
+
+<file path=ppt/slides/slide5.xml><?xml version="1.0" encoding="utf-8"?>
 <p:sld xmlns:a="http://schemas.openxmlformats.org/drawingml/2006/main" xmlns:r="http://schemas.openxmlformats.org/officeDocument/2006/relationships" xmlns:p="http://schemas.openxmlformats.org/presentationml/2006/main">
   <p:cSld>
     <p:spTree>
